--- a/published/lectures/14-bellman_ford/slides-wang.pptx
+++ b/published/lectures/14-bellman_ford/slides-wang.pptx
@@ -1260,7 +1260,7 @@
               <a:pPr>
                 <a:defRPr/>
               </a:pPr>
-              <a:t>2/21/2021</a:t>
+              <a:t>2/22/2021</a:t>
             </a:fld>
             <a:endParaRPr lang="en-US"/>
           </a:p>
@@ -1948,7 +1948,7 @@
               <a:pPr>
                 <a:defRPr/>
               </a:pPr>
-              <a:t>2/21/2021</a:t>
+              <a:t>2/22/2021</a:t>
             </a:fld>
             <a:endParaRPr lang="en-US"/>
           </a:p>
@@ -2192,7 +2192,7 @@
           <a:p>
             <a:fld id="{344494C4-6097-4BA9-B81C-8FE8D10E85BA}" type="datetimeFigureOut">
               <a:rPr lang="en-US" smtClean="0"/>
-              <a:t>2/21/2021</a:t>
+              <a:t>2/22/2021</a:t>
             </a:fld>
             <a:endParaRPr lang="en-US"/>
           </a:p>
@@ -2437,7 +2437,7 @@
           <a:p>
             <a:fld id="{344494C4-6097-4BA9-B81C-8FE8D10E85BA}" type="datetimeFigureOut">
               <a:rPr lang="en-US" smtClean="0"/>
-              <a:t>2/21/2021</a:t>
+              <a:t>2/22/2021</a:t>
             </a:fld>
             <a:endParaRPr lang="en-US"/>
           </a:p>
@@ -2817,7 +2817,7 @@
           <a:p>
             <a:fld id="{344494C4-6097-4BA9-B81C-8FE8D10E85BA}" type="datetimeFigureOut">
               <a:rPr lang="en-US" smtClean="0"/>
-              <a:t>2/21/2021</a:t>
+              <a:t>2/22/2021</a:t>
             </a:fld>
             <a:endParaRPr lang="en-US"/>
           </a:p>
@@ -2950,7 +2950,7 @@
           <a:p>
             <a:fld id="{344494C4-6097-4BA9-B81C-8FE8D10E85BA}" type="datetimeFigureOut">
               <a:rPr lang="en-US" smtClean="0"/>
-              <a:t>2/21/2021</a:t>
+              <a:t>2/22/2021</a:t>
             </a:fld>
             <a:endParaRPr lang="en-US"/>
           </a:p>
@@ -3061,7 +3061,7 @@
           <a:p>
             <a:fld id="{344494C4-6097-4BA9-B81C-8FE8D10E85BA}" type="datetimeFigureOut">
               <a:rPr lang="en-US" smtClean="0"/>
-              <a:t>2/21/2021</a:t>
+              <a:t>2/22/2021</a:t>
             </a:fld>
             <a:endParaRPr lang="en-US"/>
           </a:p>
@@ -3352,7 +3352,7 @@
           <a:p>
             <a:fld id="{344494C4-6097-4BA9-B81C-8FE8D10E85BA}" type="datetimeFigureOut">
               <a:rPr lang="en-US" smtClean="0"/>
-              <a:t>2/21/2021</a:t>
+              <a:t>2/22/2021</a:t>
             </a:fld>
             <a:endParaRPr lang="en-US"/>
           </a:p>
@@ -3620,7 +3620,7 @@
           <a:p>
             <a:fld id="{344494C4-6097-4BA9-B81C-8FE8D10E85BA}" type="datetimeFigureOut">
               <a:rPr lang="en-US" smtClean="0"/>
-              <a:t>2/21/2021</a:t>
+              <a:t>2/22/2021</a:t>
             </a:fld>
             <a:endParaRPr lang="en-US"/>
           </a:p>
@@ -3804,7 +3804,7 @@
           <a:p>
             <a:fld id="{344494C4-6097-4BA9-B81C-8FE8D10E85BA}" type="datetimeFigureOut">
               <a:rPr lang="en-US" smtClean="0"/>
-              <a:t>2/21/2021</a:t>
+              <a:t>2/22/2021</a:t>
             </a:fld>
             <a:endParaRPr lang="en-US"/>
           </a:p>
@@ -3998,7 +3998,7 @@
           <a:p>
             <a:fld id="{344494C4-6097-4BA9-B81C-8FE8D10E85BA}" type="datetimeFigureOut">
               <a:rPr lang="en-US" smtClean="0"/>
-              <a:t>2/21/2021</a:t>
+              <a:t>2/22/2021</a:t>
             </a:fld>
             <a:endParaRPr lang="en-US"/>
           </a:p>
@@ -4196,7 +4196,7 @@
           <a:p>
             <a:fld id="{7BF7D500-1223-4445-9EB2-2C72C770F9EB}" type="datetimeFigureOut">
               <a:rPr lang="en-US" smtClean="0"/>
-              <a:t>2/21/2021</a:t>
+              <a:t>2/22/2021</a:t>
             </a:fld>
             <a:endParaRPr lang="en-US"/>
           </a:p>
@@ -4379,7 +4379,7 @@
               <a:pPr>
                 <a:defRPr/>
               </a:pPr>
-              <a:t>2/21/2021</a:t>
+              <a:t>2/22/2021</a:t>
             </a:fld>
             <a:endParaRPr lang="en-US"/>
           </a:p>
@@ -4533,7 +4533,7 @@
           <a:p>
             <a:fld id="{7BF7D500-1223-4445-9EB2-2C72C770F9EB}" type="datetimeFigureOut">
               <a:rPr lang="en-US" smtClean="0"/>
-              <a:t>2/21/2021</a:t>
+              <a:t>2/22/2021</a:t>
             </a:fld>
             <a:endParaRPr lang="en-US"/>
           </a:p>
@@ -4778,7 +4778,7 @@
           <a:p>
             <a:fld id="{7BF7D500-1223-4445-9EB2-2C72C770F9EB}" type="datetimeFigureOut">
               <a:rPr lang="en-US" smtClean="0"/>
-              <a:t>2/21/2021</a:t>
+              <a:t>2/22/2021</a:t>
             </a:fld>
             <a:endParaRPr lang="en-US"/>
           </a:p>
@@ -5007,7 +5007,7 @@
           <a:p>
             <a:fld id="{7BF7D500-1223-4445-9EB2-2C72C770F9EB}" type="datetimeFigureOut">
               <a:rPr lang="en-US" smtClean="0"/>
-              <a:t>2/21/2021</a:t>
+              <a:t>2/22/2021</a:t>
             </a:fld>
             <a:endParaRPr lang="en-US"/>
           </a:p>
@@ -5371,7 +5371,7 @@
           <a:p>
             <a:fld id="{7BF7D500-1223-4445-9EB2-2C72C770F9EB}" type="datetimeFigureOut">
               <a:rPr lang="en-US" smtClean="0"/>
-              <a:t>2/21/2021</a:t>
+              <a:t>2/22/2021</a:t>
             </a:fld>
             <a:endParaRPr lang="en-US"/>
           </a:p>
@@ -5488,7 +5488,7 @@
           <a:p>
             <a:fld id="{7BF7D500-1223-4445-9EB2-2C72C770F9EB}" type="datetimeFigureOut">
               <a:rPr lang="en-US" smtClean="0"/>
-              <a:t>2/21/2021</a:t>
+              <a:t>2/22/2021</a:t>
             </a:fld>
             <a:endParaRPr lang="en-US"/>
           </a:p>
@@ -5583,7 +5583,7 @@
           <a:p>
             <a:fld id="{7BF7D500-1223-4445-9EB2-2C72C770F9EB}" type="datetimeFigureOut">
               <a:rPr lang="en-US" smtClean="0"/>
-              <a:t>2/21/2021</a:t>
+              <a:t>2/22/2021</a:t>
             </a:fld>
             <a:endParaRPr lang="en-US"/>
           </a:p>
@@ -5858,7 +5858,7 @@
           <a:p>
             <a:fld id="{7BF7D500-1223-4445-9EB2-2C72C770F9EB}" type="datetimeFigureOut">
               <a:rPr lang="en-US" smtClean="0"/>
-              <a:t>2/21/2021</a:t>
+              <a:t>2/22/2021</a:t>
             </a:fld>
             <a:endParaRPr lang="en-US"/>
           </a:p>
@@ -6110,7 +6110,7 @@
           <a:p>
             <a:fld id="{7BF7D500-1223-4445-9EB2-2C72C770F9EB}" type="datetimeFigureOut">
               <a:rPr lang="en-US" smtClean="0"/>
-              <a:t>2/21/2021</a:t>
+              <a:t>2/22/2021</a:t>
             </a:fld>
             <a:endParaRPr lang="en-US"/>
           </a:p>
@@ -6278,7 +6278,7 @@
           <a:p>
             <a:fld id="{7BF7D500-1223-4445-9EB2-2C72C770F9EB}" type="datetimeFigureOut">
               <a:rPr lang="en-US" smtClean="0"/>
-              <a:t>2/21/2021</a:t>
+              <a:t>2/22/2021</a:t>
             </a:fld>
             <a:endParaRPr lang="en-US"/>
           </a:p>
@@ -6456,7 +6456,7 @@
           <a:p>
             <a:fld id="{7BF7D500-1223-4445-9EB2-2C72C770F9EB}" type="datetimeFigureOut">
               <a:rPr lang="en-US" smtClean="0"/>
-              <a:t>2/21/2021</a:t>
+              <a:t>2/22/2021</a:t>
             </a:fld>
             <a:endParaRPr lang="en-US"/>
           </a:p>
@@ -6700,7 +6700,7 @@
               <a:pPr>
                 <a:defRPr/>
               </a:pPr>
-              <a:t>2/21/2021</a:t>
+              <a:t>2/22/2021</a:t>
             </a:fld>
             <a:endParaRPr lang="en-US"/>
           </a:p>
@@ -7050,7 +7050,7 @@
               <a:pPr>
                 <a:defRPr/>
               </a:pPr>
-              <a:t>2/21/2021</a:t>
+              <a:t>2/22/2021</a:t>
             </a:fld>
             <a:endParaRPr lang="en-US"/>
           </a:p>
@@ -7214,7 +7214,7 @@
               <a:pPr>
                 <a:defRPr/>
               </a:pPr>
-              <a:t>2/21/2021</a:t>
+              <a:t>2/22/2021</a:t>
             </a:fld>
             <a:endParaRPr lang="en-US"/>
           </a:p>
@@ -7305,7 +7305,7 @@
               <a:pPr>
                 <a:defRPr/>
               </a:pPr>
-              <a:t>2/21/2021</a:t>
+              <a:t>2/22/2021</a:t>
             </a:fld>
             <a:endParaRPr lang="en-US"/>
           </a:p>
@@ -7414,7 +7414,7 @@
               <a:pPr>
                 <a:defRPr/>
               </a:pPr>
-              <a:t>2/21/2021</a:t>
+              <a:t>2/22/2021</a:t>
             </a:fld>
             <a:endParaRPr lang="en-US"/>
           </a:p>
@@ -7599,7 +7599,7 @@
           <a:p>
             <a:fld id="{344494C4-6097-4BA9-B81C-8FE8D10E85BA}" type="datetimeFigureOut">
               <a:rPr lang="en-US" smtClean="0"/>
-              <a:t>2/21/2021</a:t>
+              <a:t>2/22/2021</a:t>
             </a:fld>
             <a:endParaRPr lang="en-US"/>
           </a:p>
@@ -7783,7 +7783,7 @@
           <a:p>
             <a:fld id="{344494C4-6097-4BA9-B81C-8FE8D10E85BA}" type="datetimeFigureOut">
               <a:rPr lang="en-US" smtClean="0"/>
-              <a:t>2/21/2021</a:t>
+              <a:t>2/22/2021</a:t>
             </a:fld>
             <a:endParaRPr lang="en-US"/>
           </a:p>
@@ -8032,7 +8032,7 @@
               <a:pPr>
                 <a:defRPr/>
               </a:pPr>
-              <a:t>2/21/2021</a:t>
+              <a:t>2/22/2021</a:t>
             </a:fld>
             <a:endParaRPr lang="en-US"/>
           </a:p>
@@ -9286,7 +9286,7 @@
           <a:p>
             <a:fld id="{7BF7D500-1223-4445-9EB2-2C72C770F9EB}" type="datetimeFigureOut">
               <a:rPr lang="en-US" smtClean="0"/>
-              <a:t>2/21/2021</a:t>
+              <a:t>2/22/2021</a:t>
             </a:fld>
             <a:endParaRPr lang="en-US"/>
           </a:p>
@@ -12137,8 +12137,8 @@
           </a:p>
         </p:txBody>
       </p:sp>
-      <mc:AlternateContent xmlns:mc="http://schemas.openxmlformats.org/markup-compatibility/2006">
-        <mc:Choice xmlns:a14="http://schemas.microsoft.com/office/drawing/2010/main" Requires="a14">
+      <mc:AlternateContent xmlns:mc="http://schemas.openxmlformats.org/markup-compatibility/2006" xmlns:a14="http://schemas.microsoft.com/office/drawing/2010/main">
+        <mc:Choice Requires="a14">
           <p:sp>
             <p:nvSpPr>
               <p:cNvPr id="3" name="Content Placeholder 2">
@@ -12404,7 +12404,7 @@
             </p:txBody>
           </p:sp>
         </mc:Choice>
-        <mc:Fallback>
+        <mc:Fallback xmlns="">
           <p:sp>
             <p:nvSpPr>
               <p:cNvPr id="3" name="Content Placeholder 2">
@@ -14957,8 +14957,8 @@
           </p:txBody>
         </p:sp>
       </p:grpSp>
-      <mc:AlternateContent xmlns:mc="http://schemas.openxmlformats.org/markup-compatibility/2006">
-        <mc:Choice xmlns:a14="http://schemas.microsoft.com/office/drawing/2010/main" Requires="a14">
+      <mc:AlternateContent xmlns:mc="http://schemas.openxmlformats.org/markup-compatibility/2006" xmlns:a14="http://schemas.microsoft.com/office/drawing/2010/main">
+        <mc:Choice Requires="a14">
           <p:sp>
             <p:nvSpPr>
               <p:cNvPr id="23" name="Content Placeholder 2">
@@ -15249,7 +15249,7 @@
             </p:txBody>
           </p:sp>
         </mc:Choice>
-        <mc:Fallback>
+        <mc:Fallback xmlns="">
           <p:sp>
             <p:nvSpPr>
               <p:cNvPr id="23" name="Content Placeholder 2">
@@ -15688,8 +15688,8 @@
           </a:p>
         </p:txBody>
       </p:sp>
-      <mc:AlternateContent xmlns:mc="http://schemas.openxmlformats.org/markup-compatibility/2006">
-        <mc:Choice xmlns:a14="http://schemas.microsoft.com/office/drawing/2010/main" Requires="a14">
+      <mc:AlternateContent xmlns:mc="http://schemas.openxmlformats.org/markup-compatibility/2006" xmlns:a14="http://schemas.microsoft.com/office/drawing/2010/main">
+        <mc:Choice Requires="a14">
           <p:sp>
             <p:nvSpPr>
               <p:cNvPr id="3" name="Content Placeholder 2">
@@ -16070,7 +16070,7 @@
             </p:txBody>
           </p:sp>
         </mc:Choice>
-        <mc:Fallback>
+        <mc:Fallback xmlns="">
           <p:sp>
             <p:nvSpPr>
               <p:cNvPr id="3" name="Content Placeholder 2">
@@ -16480,8 +16480,8 @@
           </a:p>
         </p:txBody>
       </p:sp>
-      <mc:AlternateContent xmlns:mc="http://schemas.openxmlformats.org/markup-compatibility/2006">
-        <mc:Choice xmlns:a14="http://schemas.microsoft.com/office/drawing/2010/main" Requires="a14">
+      <mc:AlternateContent xmlns:mc="http://schemas.openxmlformats.org/markup-compatibility/2006" xmlns:a14="http://schemas.microsoft.com/office/drawing/2010/main">
+        <mc:Choice Requires="a14">
           <p:sp>
             <p:nvSpPr>
               <p:cNvPr id="3" name="Content Placeholder 2">
@@ -16934,7 +16934,7 @@
             </p:txBody>
           </p:sp>
         </mc:Choice>
-        <mc:Fallback>
+        <mc:Fallback xmlns="">
           <p:sp>
             <p:nvSpPr>
               <p:cNvPr id="3" name="Content Placeholder 2">
@@ -16978,8 +16978,8 @@
           </p:sp>
         </mc:Fallback>
       </mc:AlternateContent>
-      <mc:AlternateContent xmlns:mc="http://schemas.openxmlformats.org/markup-compatibility/2006">
-        <mc:Choice xmlns:a14="http://schemas.microsoft.com/office/drawing/2010/main" Requires="a14">
+      <mc:AlternateContent xmlns:mc="http://schemas.openxmlformats.org/markup-compatibility/2006" xmlns:a14="http://schemas.microsoft.com/office/drawing/2010/main">
+        <mc:Choice Requires="a14">
           <p:sp>
             <p:nvSpPr>
               <p:cNvPr id="4" name="Rectangle 3">
@@ -17110,7 +17110,7 @@
             </p:txBody>
           </p:sp>
         </mc:Choice>
-        <mc:Fallback>
+        <mc:Fallback xmlns="">
           <p:sp>
             <p:nvSpPr>
               <p:cNvPr id="4" name="Rectangle 3">
@@ -18311,8 +18311,8 @@
           </a:p>
         </p:txBody>
       </p:sp>
-      <mc:AlternateContent xmlns:mc="http://schemas.openxmlformats.org/markup-compatibility/2006">
-        <mc:Choice xmlns:a14="http://schemas.microsoft.com/office/drawing/2010/main" Requires="a14">
+      <mc:AlternateContent xmlns:mc="http://schemas.openxmlformats.org/markup-compatibility/2006" xmlns:a14="http://schemas.microsoft.com/office/drawing/2010/main">
+        <mc:Choice Requires="a14">
           <p:sp>
             <p:nvSpPr>
               <p:cNvPr id="3" name="Content Placeholder 2">
@@ -18627,7 +18627,7 @@
             </p:txBody>
           </p:sp>
         </mc:Choice>
-        <mc:Fallback>
+        <mc:Fallback xmlns="">
           <p:sp>
             <p:nvSpPr>
               <p:cNvPr id="3" name="Content Placeholder 2">
@@ -19399,35 +19399,46 @@
                 </a:r>
                 <a14:m>
                   <m:oMath xmlns:m="http://schemas.openxmlformats.org/officeDocument/2006/math">
-                    <m:r>
-                      <a:rPr lang="en-US" sz="2400" b="0" i="0" smtClean="0">
-                        <a:latin typeface="Cambria Math" panose="02040503050406030204" pitchFamily="18" charset="0"/>
-                      </a:rPr>
-                      <m:t>(</m:t>
-                    </m:r>
-                    <m:r>
-                      <a:rPr lang="en-US" sz="2400" i="1">
-                        <a:latin typeface="Cambria Math" panose="02040503050406030204" pitchFamily="18" charset="0"/>
-                      </a:rPr>
-                      <m:t>𝑢</m:t>
-                    </m:r>
+                    <m:d>
+                      <m:dPr>
+                        <m:ctrlPr>
+                          <a:rPr lang="en-US" sz="2400" b="0" i="0" smtClean="0">
+                            <a:latin typeface="Cambria Math" panose="02040503050406030204" pitchFamily="18" charset="0"/>
+                          </a:rPr>
+                        </m:ctrlPr>
+                      </m:dPr>
+                      <m:e>
+                        <m:r>
+                          <a:rPr lang="en-US" sz="2400" i="1">
+                            <a:latin typeface="Cambria Math" panose="02040503050406030204" pitchFamily="18" charset="0"/>
+                          </a:rPr>
+                          <m:t>𝑢</m:t>
+                        </m:r>
+                        <m:r>
+                          <a:rPr lang="en-US" sz="2400" b="0" i="1" smtClean="0">
+                            <a:latin typeface="Cambria Math" panose="02040503050406030204" pitchFamily="18" charset="0"/>
+                          </a:rPr>
+                          <m:t>,</m:t>
+                        </m:r>
+                        <m:r>
+                          <a:rPr lang="en-US" sz="2400" b="0" i="1" smtClean="0">
+                            <a:latin typeface="Cambria Math" panose="02040503050406030204" pitchFamily="18" charset="0"/>
+                          </a:rPr>
+                          <m:t>𝑣</m:t>
+                        </m:r>
+                      </m:e>
+                    </m:d>
                     <m:r>
                       <a:rPr lang="en-US" sz="2400" b="0" i="1" smtClean="0">
                         <a:latin typeface="Cambria Math" panose="02040503050406030204" pitchFamily="18" charset="0"/>
                       </a:rPr>
-                      <m:t>,</m:t>
+                      <m:t>∈</m:t>
                     </m:r>
                     <m:r>
                       <a:rPr lang="en-US" sz="2400" b="0" i="1" smtClean="0">
                         <a:latin typeface="Cambria Math" panose="02040503050406030204" pitchFamily="18" charset="0"/>
                       </a:rPr>
-                      <m:t>𝑣</m:t>
-                    </m:r>
-                    <m:r>
-                      <a:rPr lang="en-US" sz="2400" b="0" i="1" smtClean="0">
-                        <a:latin typeface="Cambria Math" panose="02040503050406030204" pitchFamily="18" charset="0"/>
-                      </a:rPr>
-                      <m:t>)</m:t>
+                      <m:t>𝐸</m:t>
                     </m:r>
                   </m:oMath>
                 </a14:m>
@@ -20014,33 +20025,15 @@
                                   </p:childTnLst>
                                 </p:cTn>
                               </p:par>
-                            </p:childTnLst>
-                          </p:cTn>
-                        </p:par>
-                      </p:childTnLst>
-                    </p:cTn>
-                  </p:par>
-                  <p:par>
-                    <p:cTn id="15" fill="hold">
-                      <p:stCondLst>
-                        <p:cond delay="indefinite"/>
-                      </p:stCondLst>
-                      <p:childTnLst>
-                        <p:par>
-                          <p:cTn id="16" fill="hold">
-                            <p:stCondLst>
-                              <p:cond delay="0"/>
-                            </p:stCondLst>
-                            <p:childTnLst>
                               <p:par>
-                                <p:cTn id="17" presetID="1" presetClass="entr" presetSubtype="0" fill="hold" nodeType="clickEffect">
+                                <p:cTn id="15" presetID="1" presetClass="entr" presetSubtype="0" fill="hold" nodeType="withEffect">
                                   <p:stCondLst>
                                     <p:cond delay="0"/>
                                   </p:stCondLst>
                                   <p:childTnLst>
                                     <p:set>
                                       <p:cBhvr>
-                                        <p:cTn id="18" dur="1" fill="hold">
+                                        <p:cTn id="16" dur="1" fill="hold">
                                           <p:stCondLst>
                                             <p:cond delay="0"/>
                                           </p:stCondLst>
@@ -20173,8 +20166,8 @@
           </a:p>
         </p:txBody>
       </p:sp>
-      <mc:AlternateContent xmlns:mc="http://schemas.openxmlformats.org/markup-compatibility/2006" xmlns:a14="http://schemas.microsoft.com/office/drawing/2010/main">
-        <mc:Choice Requires="a14">
+      <mc:AlternateContent xmlns:mc="http://schemas.openxmlformats.org/markup-compatibility/2006">
+        <mc:Choice xmlns:a14="http://schemas.microsoft.com/office/drawing/2010/main" Requires="a14">
           <p:sp>
             <p:nvSpPr>
               <p:cNvPr id="4" name="Content Placeholder 2">
@@ -20564,7 +20557,7 @@
                         </a:solidFill>
                         <a:latin typeface="Cambria Math" panose="02040503050406030204" pitchFamily="18" charset="0"/>
                       </a:rPr>
-                      <m:t>≥</m:t>
+                      <m:t>&gt;</m:t>
                     </m:r>
                   </m:oMath>
                 </a14:m>
@@ -21016,7 +21009,7 @@
             </p:txBody>
           </p:sp>
         </mc:Choice>
-        <mc:Fallback xmlns="">
+        <mc:Fallback>
           <p:sp>
             <p:nvSpPr>
               <p:cNvPr id="4" name="Content Placeholder 2">
@@ -22814,8 +22807,8 @@
           </a:prstGeom>
         </p:spPr>
       </p:pic>
-      <mc:AlternateContent xmlns:mc="http://schemas.openxmlformats.org/markup-compatibility/2006" xmlns:a14="http://schemas.microsoft.com/office/drawing/2010/main">
-        <mc:Choice Requires="a14">
+      <mc:AlternateContent xmlns:mc="http://schemas.openxmlformats.org/markup-compatibility/2006">
+        <mc:Choice xmlns:a14="http://schemas.microsoft.com/office/drawing/2010/main" Requires="a14">
           <p:sp>
             <p:nvSpPr>
               <p:cNvPr id="9" name="TextBox 8">
@@ -23038,10 +23031,10 @@
                 <a14:m>
                   <m:oMath xmlns:m="http://schemas.openxmlformats.org/officeDocument/2006/math">
                     <m:r>
-                      <a:rPr lang="en-US" sz="2000" b="0" i="1" smtClean="0">
-                        <a:latin typeface="Cambria Math" panose="02040503050406030204" pitchFamily="18" charset="0"/>
-                      </a:rPr>
-                      <m:t>≥</m:t>
+                      <a:rPr lang="en-US" sz="2000" i="1">
+                        <a:latin typeface="Cambria Math" panose="02040503050406030204" pitchFamily="18" charset="0"/>
+                      </a:rPr>
+                      <m:t>&gt;</m:t>
                     </m:r>
                     <m:r>
                       <a:rPr lang="en-US" sz="2000" b="0" i="1" smtClean="0">
@@ -23178,7 +23171,7 @@
             </p:txBody>
           </p:sp>
         </mc:Choice>
-        <mc:Fallback xmlns="">
+        <mc:Fallback>
           <p:sp>
             <p:nvSpPr>
               <p:cNvPr id="9" name="TextBox 8">
@@ -25697,8 +25690,8 @@
           </a:p>
         </p:txBody>
       </p:sp>
-      <mc:AlternateContent xmlns:mc="http://schemas.openxmlformats.org/markup-compatibility/2006">
-        <mc:Choice xmlns:a14="http://schemas.microsoft.com/office/drawing/2010/main" Requires="a14">
+      <mc:AlternateContent xmlns:mc="http://schemas.openxmlformats.org/markup-compatibility/2006" xmlns:a14="http://schemas.microsoft.com/office/drawing/2010/main">
+        <mc:Choice Requires="a14">
           <p:sp>
             <p:nvSpPr>
               <p:cNvPr id="3" name="Content Placeholder 2">
@@ -25870,7 +25863,7 @@
             </p:txBody>
           </p:sp>
         </mc:Choice>
-        <mc:Fallback>
+        <mc:Fallback xmlns="">
           <p:sp>
             <p:nvSpPr>
               <p:cNvPr id="3" name="Content Placeholder 2">
@@ -26651,56 +26644,6 @@
           <a:chExt cx="0" cy="0"/>
         </a:xfrm>
       </p:grpSpPr>
-      <p:sp>
-        <p:nvSpPr>
-          <p:cNvPr id="2" name="Title 1">
-            <a:extLst>
-              <a:ext uri="{FF2B5EF4-FFF2-40B4-BE49-F238E27FC236}">
-                <a16:creationId xmlns:a16="http://schemas.microsoft.com/office/drawing/2014/main" id="{614521F8-BB43-4E5B-932B-7BEAF9BD5F10}"/>
-              </a:ext>
-            </a:extLst>
-          </p:cNvPr>
-          <p:cNvSpPr>
-            <a:spLocks noGrp="1"/>
-          </p:cNvSpPr>
-          <p:nvPr>
-            <p:ph type="title"/>
-          </p:nvPr>
-        </p:nvSpPr>
-        <p:spPr/>
-        <p:txBody>
-          <a:bodyPr/>
-          <a:lstStyle/>
-          <a:p>
-            <a:endParaRPr lang="en-US"/>
-          </a:p>
-        </p:txBody>
-      </p:sp>
-      <p:sp>
-        <p:nvSpPr>
-          <p:cNvPr id="3" name="Content Placeholder 2">
-            <a:extLst>
-              <a:ext uri="{FF2B5EF4-FFF2-40B4-BE49-F238E27FC236}">
-                <a16:creationId xmlns:a16="http://schemas.microsoft.com/office/drawing/2014/main" id="{21A479F6-6029-41AF-B734-0F83B748682F}"/>
-              </a:ext>
-            </a:extLst>
-          </p:cNvPr>
-          <p:cNvSpPr>
-            <a:spLocks noGrp="1"/>
-          </p:cNvSpPr>
-          <p:nvPr>
-            <p:ph sz="quarter" idx="1"/>
-          </p:nvPr>
-        </p:nvSpPr>
-        <p:spPr/>
-        <p:txBody>
-          <a:bodyPr/>
-          <a:lstStyle/>
-          <a:p>
-            <a:endParaRPr lang="en-US"/>
-          </a:p>
-        </p:txBody>
-      </p:sp>
       <p:sp>
         <p:nvSpPr>
           <p:cNvPr id="4" name="Title 1">
@@ -33463,8 +33406,8 @@
           </a:p>
         </p:txBody>
       </p:sp>
-      <mc:AlternateContent xmlns:mc="http://schemas.openxmlformats.org/markup-compatibility/2006">
-        <mc:Choice xmlns:a14="http://schemas.microsoft.com/office/drawing/2010/main" Requires="a14">
+      <mc:AlternateContent xmlns:mc="http://schemas.openxmlformats.org/markup-compatibility/2006" xmlns:a14="http://schemas.microsoft.com/office/drawing/2010/main">
+        <mc:Choice Requires="a14">
           <p:sp>
             <p:nvSpPr>
               <p:cNvPr id="3" name="Content Placeholder 2">
@@ -33621,7 +33564,7 @@
             </p:txBody>
           </p:sp>
         </mc:Choice>
-        <mc:Fallback>
+        <mc:Fallback xmlns="">
           <p:sp>
             <p:nvSpPr>
               <p:cNvPr id="3" name="Content Placeholder 2">
@@ -34076,8 +34019,8 @@
           </a:ln>
         </p:spPr>
       </p:pic>
-      <mc:AlternateContent xmlns:mc="http://schemas.openxmlformats.org/markup-compatibility/2006">
-        <mc:Choice xmlns:a14="http://schemas.microsoft.com/office/drawing/2010/main" Requires="a14">
+      <mc:AlternateContent xmlns:mc="http://schemas.openxmlformats.org/markup-compatibility/2006" xmlns:a14="http://schemas.microsoft.com/office/drawing/2010/main">
+        <mc:Choice Requires="a14">
           <p:sp>
             <p:nvSpPr>
               <p:cNvPr id="4" name="TextBox 3">
@@ -34164,7 +34107,7 @@
             </p:txBody>
           </p:sp>
         </mc:Choice>
-        <mc:Fallback>
+        <mc:Fallback xmlns="">
           <p:sp>
             <p:nvSpPr>
               <p:cNvPr id="4" name="TextBox 3">
@@ -34324,8 +34267,8 @@
           </p:sp>
         </mc:Fallback>
       </mc:AlternateContent>
-      <mc:AlternateContent xmlns:mc="http://schemas.openxmlformats.org/markup-compatibility/2006">
-        <mc:Choice xmlns:a14="http://schemas.microsoft.com/office/drawing/2010/main" Requires="a14">
+      <mc:AlternateContent xmlns:mc="http://schemas.openxmlformats.org/markup-compatibility/2006" xmlns:a14="http://schemas.microsoft.com/office/drawing/2010/main">
+        <mc:Choice Requires="a14">
           <p:sp>
             <p:nvSpPr>
               <p:cNvPr id="7" name="TextBox 6">
@@ -34405,7 +34348,7 @@
             </p:txBody>
           </p:sp>
         </mc:Choice>
-        <mc:Fallback>
+        <mc:Fallback xmlns="">
           <p:sp>
             <p:nvSpPr>
               <p:cNvPr id="7" name="TextBox 6">
@@ -34450,8 +34393,8 @@
           </p:sp>
         </mc:Fallback>
       </mc:AlternateContent>
-      <mc:AlternateContent xmlns:mc="http://schemas.openxmlformats.org/markup-compatibility/2006">
-        <mc:Choice xmlns:a14="http://schemas.microsoft.com/office/drawing/2010/main" Requires="a14">
+      <mc:AlternateContent xmlns:mc="http://schemas.openxmlformats.org/markup-compatibility/2006" xmlns:a14="http://schemas.microsoft.com/office/drawing/2010/main">
+        <mc:Choice Requires="a14">
           <p:sp>
             <p:nvSpPr>
               <p:cNvPr id="9" name="TextBox 8">
@@ -34556,7 +34499,7 @@
             </p:txBody>
           </p:sp>
         </mc:Choice>
-        <mc:Fallback>
+        <mc:Fallback xmlns="">
           <p:sp>
             <p:nvSpPr>
               <p:cNvPr id="9" name="TextBox 8">
@@ -34659,8 +34602,8 @@
           </a:p>
         </p:txBody>
       </p:sp>
-      <mc:AlternateContent xmlns:mc="http://schemas.openxmlformats.org/markup-compatibility/2006">
-        <mc:Choice xmlns:a14="http://schemas.microsoft.com/office/drawing/2010/main" Requires="a14">
+      <mc:AlternateContent xmlns:mc="http://schemas.openxmlformats.org/markup-compatibility/2006" xmlns:a14="http://schemas.microsoft.com/office/drawing/2010/main">
+        <mc:Choice Requires="a14">
           <p:sp>
             <p:nvSpPr>
               <p:cNvPr id="3" name="Content Placeholder 2">
@@ -35329,7 +35272,7 @@
             </p:txBody>
           </p:sp>
         </mc:Choice>
-        <mc:Fallback>
+        <mc:Fallback xmlns="">
           <p:sp>
             <p:nvSpPr>
               <p:cNvPr id="3" name="Content Placeholder 2">
@@ -35433,56 +35376,6 @@
           <a:chExt cx="0" cy="0"/>
         </a:xfrm>
       </p:grpSpPr>
-      <p:sp>
-        <p:nvSpPr>
-          <p:cNvPr id="2" name="Title 1">
-            <a:extLst>
-              <a:ext uri="{FF2B5EF4-FFF2-40B4-BE49-F238E27FC236}">
-                <a16:creationId xmlns:a16="http://schemas.microsoft.com/office/drawing/2014/main" id="{614521F8-BB43-4E5B-932B-7BEAF9BD5F10}"/>
-              </a:ext>
-            </a:extLst>
-          </p:cNvPr>
-          <p:cNvSpPr>
-            <a:spLocks noGrp="1"/>
-          </p:cNvSpPr>
-          <p:nvPr>
-            <p:ph type="title"/>
-          </p:nvPr>
-        </p:nvSpPr>
-        <p:spPr/>
-        <p:txBody>
-          <a:bodyPr/>
-          <a:lstStyle/>
-          <a:p>
-            <a:endParaRPr lang="en-US"/>
-          </a:p>
-        </p:txBody>
-      </p:sp>
-      <p:sp>
-        <p:nvSpPr>
-          <p:cNvPr id="3" name="Content Placeholder 2">
-            <a:extLst>
-              <a:ext uri="{FF2B5EF4-FFF2-40B4-BE49-F238E27FC236}">
-                <a16:creationId xmlns:a16="http://schemas.microsoft.com/office/drawing/2014/main" id="{21A479F6-6029-41AF-B734-0F83B748682F}"/>
-              </a:ext>
-            </a:extLst>
-          </p:cNvPr>
-          <p:cNvSpPr>
-            <a:spLocks noGrp="1"/>
-          </p:cNvSpPr>
-          <p:nvPr>
-            <p:ph sz="quarter" idx="1"/>
-          </p:nvPr>
-        </p:nvSpPr>
-        <p:spPr/>
-        <p:txBody>
-          <a:bodyPr/>
-          <a:lstStyle/>
-          <a:p>
-            <a:endParaRPr lang="en-US"/>
-          </a:p>
-        </p:txBody>
-      </p:sp>
       <p:sp>
         <p:nvSpPr>
           <p:cNvPr id="4" name="Title 1">
@@ -35716,8 +35609,8 @@
           </a:p>
         </p:txBody>
       </p:sp>
-      <mc:AlternateContent xmlns:mc="http://schemas.openxmlformats.org/markup-compatibility/2006">
-        <mc:Choice xmlns:a14="http://schemas.microsoft.com/office/drawing/2010/main" Requires="a14">
+      <mc:AlternateContent xmlns:mc="http://schemas.openxmlformats.org/markup-compatibility/2006" xmlns:a14="http://schemas.microsoft.com/office/drawing/2010/main">
+        <mc:Choice Requires="a14">
           <p:sp>
             <p:nvSpPr>
               <p:cNvPr id="3" name="Content Placeholder 2">
@@ -35773,7 +35666,7 @@
             </p:txBody>
           </p:sp>
         </mc:Choice>
-        <mc:Fallback>
+        <mc:Fallback xmlns="">
           <p:sp>
             <p:nvSpPr>
               <p:cNvPr id="3" name="Content Placeholder 2">
@@ -35939,10 +35832,10 @@
       </p:sp>
       <p:pic>
         <p:nvPicPr>
-          <p:cNvPr id="4" name="Picture 3">
+          <p:cNvPr id="5" name="Picture 4">
             <a:extLst>
               <a:ext uri="{FF2B5EF4-FFF2-40B4-BE49-F238E27FC236}">
-                <a16:creationId xmlns:a16="http://schemas.microsoft.com/office/drawing/2014/main" id="{6183051A-AE7D-4BD9-9F9F-343EE2F3FA9D}"/>
+                <a16:creationId xmlns:a16="http://schemas.microsoft.com/office/drawing/2014/main" id="{DE05BF56-D74C-43E3-A3E7-B1B4884A7073}"/>
               </a:ext>
             </a:extLst>
           </p:cNvPr>
@@ -35959,8 +35852,8 @@
         </p:blipFill>
         <p:spPr>
           <a:xfrm>
-            <a:off x="2286000" y="2195512"/>
-            <a:ext cx="3448050" cy="2466975"/>
+            <a:off x="2362200" y="2066925"/>
+            <a:ext cx="3952875" cy="2724150"/>
           </a:xfrm>
           <a:prstGeom prst="rect">
             <a:avLst/>
@@ -36025,8 +35918,8 @@
           </a:p>
         </p:txBody>
       </p:sp>
-      <mc:AlternateContent xmlns:mc="http://schemas.openxmlformats.org/markup-compatibility/2006">
-        <mc:Choice xmlns:a14="http://schemas.microsoft.com/office/drawing/2010/main" Requires="a14">
+      <mc:AlternateContent xmlns:mc="http://schemas.openxmlformats.org/markup-compatibility/2006" xmlns:a14="http://schemas.microsoft.com/office/drawing/2010/main">
+        <mc:Choice Requires="a14">
           <p:sp>
             <p:nvSpPr>
               <p:cNvPr id="3" name="Content Placeholder 2">
@@ -36151,7 +36044,7 @@
             </p:txBody>
           </p:sp>
         </mc:Choice>
-        <mc:Fallback>
+        <mc:Fallback xmlns="">
           <p:sp>
             <p:nvSpPr>
               <p:cNvPr id="3" name="Content Placeholder 2">
@@ -36193,10 +36086,10 @@
       </mc:AlternateContent>
       <p:pic>
         <p:nvPicPr>
-          <p:cNvPr id="4" name="Picture 3">
+          <p:cNvPr id="5" name="Picture 4">
             <a:extLst>
               <a:ext uri="{FF2B5EF4-FFF2-40B4-BE49-F238E27FC236}">
-                <a16:creationId xmlns:a16="http://schemas.microsoft.com/office/drawing/2014/main" id="{6183051A-AE7D-4BD9-9F9F-343EE2F3FA9D}"/>
+                <a16:creationId xmlns:a16="http://schemas.microsoft.com/office/drawing/2014/main" id="{2A99771C-1FE2-4026-9513-C17410C53090}"/>
               </a:ext>
             </a:extLst>
           </p:cNvPr>
@@ -36213,8 +36106,8 @@
         </p:blipFill>
         <p:spPr>
           <a:xfrm>
-            <a:off x="6553200" y="5187786"/>
-            <a:ext cx="2305050" cy="1649193"/>
+            <a:off x="6629400" y="5037083"/>
+            <a:ext cx="2653678" cy="1828800"/>
           </a:xfrm>
           <a:prstGeom prst="rect">
             <a:avLst/>
@@ -37012,8 +36905,8 @@
           </a:p>
         </p:txBody>
       </p:sp>
-      <mc:AlternateContent xmlns:mc="http://schemas.openxmlformats.org/markup-compatibility/2006">
-        <mc:Choice xmlns:a14="http://schemas.microsoft.com/office/drawing/2010/main" Requires="a14">
+      <mc:AlternateContent xmlns:mc="http://schemas.openxmlformats.org/markup-compatibility/2006" xmlns:a14="http://schemas.microsoft.com/office/drawing/2010/main">
+        <mc:Choice Requires="a14">
           <p:sp>
             <p:nvSpPr>
               <p:cNvPr id="3" name="Content Placeholder 2">
@@ -37144,7 +37037,7 @@
             </p:txBody>
           </p:sp>
         </mc:Choice>
-        <mc:Fallback>
+        <mc:Fallback xmlns="">
           <p:sp>
             <p:nvSpPr>
               <p:cNvPr id="3" name="Content Placeholder 2">
@@ -37497,7 +37390,7 @@
             <a:pPr lvl="2"/>
             <a:r>
               <a:rPr lang="en-US" sz="1800" dirty="0"/>
-              <a:t>length = 521</a:t>
+              <a:t>length = 490</a:t>
             </a:r>
           </a:p>
           <a:p>
